--- a/Doc/스토리보드.pptx
+++ b/Doc/스토리보드.pptx
@@ -21653,7 +21653,7 @@
           <p:nvPr>
             <p:extLst>
               <p:ext uri="{D42A27DB-BD31-4B8C-83A1-F6EECF244321}">
-                <p14:modId xmlns:p14="http://schemas.microsoft.com/office/powerpoint/2010/main" val="1578288402"/>
+                <p14:modId xmlns:p14="http://schemas.microsoft.com/office/powerpoint/2010/main" val="1073236562"/>
               </p:ext>
             </p:extLst>
           </p:nvPr>
@@ -21744,7 +21744,7 @@
                       <a:pPr latinLnBrk="1"/>
                       <a:r>
                         <a:rPr lang="ko-KR" altLang="en-US" sz="1000" dirty="0" smtClean="0"/>
-                        <a:t>김예린</a:t>
+                        <a:t>김혜린</a:t>
                       </a:r>
                       <a:endParaRPr lang="ko-KR" altLang="en-US" sz="1000" dirty="0"/>
                     </a:p>

--- a/Doc/스토리보드.pptx
+++ b/Doc/스토리보드.pptx
@@ -317,7 +317,7 @@
             <a:fld id="{7BDF4D0A-5F7C-4553-B26A-2C185A5EB3F5}" type="datetimeFigureOut">
               <a:rPr lang="ko-KR" altLang="en-US" smtClean="0"/>
               <a:pPr/>
-              <a:t>2016-10-22</a:t>
+              <a:t>2016-12-03</a:t>
             </a:fld>
             <a:endParaRPr lang="ko-KR" altLang="en-US"/>
           </a:p>
@@ -484,7 +484,7 @@
             <a:fld id="{7BDF4D0A-5F7C-4553-B26A-2C185A5EB3F5}" type="datetimeFigureOut">
               <a:rPr lang="ko-KR" altLang="en-US" smtClean="0"/>
               <a:pPr/>
-              <a:t>2016-10-22</a:t>
+              <a:t>2016-12-03</a:t>
             </a:fld>
             <a:endParaRPr lang="ko-KR" altLang="en-US"/>
           </a:p>
@@ -661,7 +661,7 @@
             <a:fld id="{7BDF4D0A-5F7C-4553-B26A-2C185A5EB3F5}" type="datetimeFigureOut">
               <a:rPr lang="ko-KR" altLang="en-US" smtClean="0"/>
               <a:pPr/>
-              <a:t>2016-10-22</a:t>
+              <a:t>2016-12-03</a:t>
             </a:fld>
             <a:endParaRPr lang="ko-KR" altLang="en-US"/>
           </a:p>
@@ -828,7 +828,7 @@
             <a:fld id="{7BDF4D0A-5F7C-4553-B26A-2C185A5EB3F5}" type="datetimeFigureOut">
               <a:rPr lang="ko-KR" altLang="en-US" smtClean="0"/>
               <a:pPr/>
-              <a:t>2016-10-22</a:t>
+              <a:t>2016-12-03</a:t>
             </a:fld>
             <a:endParaRPr lang="ko-KR" altLang="en-US"/>
           </a:p>
@@ -1071,7 +1071,7 @@
             <a:fld id="{7BDF4D0A-5F7C-4553-B26A-2C185A5EB3F5}" type="datetimeFigureOut">
               <a:rPr lang="ko-KR" altLang="en-US" smtClean="0"/>
               <a:pPr/>
-              <a:t>2016-10-22</a:t>
+              <a:t>2016-12-03</a:t>
             </a:fld>
             <a:endParaRPr lang="ko-KR" altLang="en-US"/>
           </a:p>
@@ -1356,7 +1356,7 @@
             <a:fld id="{7BDF4D0A-5F7C-4553-B26A-2C185A5EB3F5}" type="datetimeFigureOut">
               <a:rPr lang="ko-KR" altLang="en-US" smtClean="0"/>
               <a:pPr/>
-              <a:t>2016-10-22</a:t>
+              <a:t>2016-12-03</a:t>
             </a:fld>
             <a:endParaRPr lang="ko-KR" altLang="en-US"/>
           </a:p>
@@ -1775,7 +1775,7 @@
             <a:fld id="{7BDF4D0A-5F7C-4553-B26A-2C185A5EB3F5}" type="datetimeFigureOut">
               <a:rPr lang="ko-KR" altLang="en-US" smtClean="0"/>
               <a:pPr/>
-              <a:t>2016-10-22</a:t>
+              <a:t>2016-12-03</a:t>
             </a:fld>
             <a:endParaRPr lang="ko-KR" altLang="en-US"/>
           </a:p>
@@ -1890,7 +1890,7 @@
             <a:fld id="{7BDF4D0A-5F7C-4553-B26A-2C185A5EB3F5}" type="datetimeFigureOut">
               <a:rPr lang="ko-KR" altLang="en-US" smtClean="0"/>
               <a:pPr/>
-              <a:t>2016-10-22</a:t>
+              <a:t>2016-12-03</a:t>
             </a:fld>
             <a:endParaRPr lang="ko-KR" altLang="en-US"/>
           </a:p>
@@ -1982,7 +1982,7 @@
             <a:fld id="{7BDF4D0A-5F7C-4553-B26A-2C185A5EB3F5}" type="datetimeFigureOut">
               <a:rPr lang="ko-KR" altLang="en-US" smtClean="0"/>
               <a:pPr/>
-              <a:t>2016-10-22</a:t>
+              <a:t>2016-12-03</a:t>
             </a:fld>
             <a:endParaRPr lang="ko-KR" altLang="en-US"/>
           </a:p>
@@ -2256,7 +2256,7 @@
             <a:fld id="{7BDF4D0A-5F7C-4553-B26A-2C185A5EB3F5}" type="datetimeFigureOut">
               <a:rPr lang="ko-KR" altLang="en-US" smtClean="0"/>
               <a:pPr/>
-              <a:t>2016-10-22</a:t>
+              <a:t>2016-12-03</a:t>
             </a:fld>
             <a:endParaRPr lang="ko-KR" altLang="en-US"/>
           </a:p>
@@ -2506,7 +2506,7 @@
             <a:fld id="{7BDF4D0A-5F7C-4553-B26A-2C185A5EB3F5}" type="datetimeFigureOut">
               <a:rPr lang="ko-KR" altLang="en-US" smtClean="0"/>
               <a:pPr/>
-              <a:t>2016-10-22</a:t>
+              <a:t>2016-12-03</a:t>
             </a:fld>
             <a:endParaRPr lang="ko-KR" altLang="en-US"/>
           </a:p>
@@ -2716,7 +2716,7 @@
             <a:fld id="{7BDF4D0A-5F7C-4553-B26A-2C185A5EB3F5}" type="datetimeFigureOut">
               <a:rPr lang="ko-KR" altLang="en-US" smtClean="0"/>
               <a:pPr/>
-              <a:t>2016-10-22</a:t>
+              <a:t>2016-12-03</a:t>
             </a:fld>
             <a:endParaRPr lang="ko-KR" altLang="en-US"/>
           </a:p>
@@ -3182,9 +3182,27 @@
                 <a:tableStyleId>{5C22544A-7EE6-4342-B048-85BDC9FD1C3A}</a:tableStyleId>
               </a:tblPr>
               <a:tblGrid>
-                <a:gridCol w="2390917"/>
-                <a:gridCol w="1476762"/>
-                <a:gridCol w="5133476"/>
+                <a:gridCol w="2390917">
+                  <a:extLst>
+                    <a:ext uri="{9D8B030D-6E8A-4147-A177-3AD203B41FA5}">
+                      <a16:colId xmlns:a16="http://schemas.microsoft.com/office/drawing/2014/main" val="20000"/>
+                    </a:ext>
+                  </a:extLst>
+                </a:gridCol>
+                <a:gridCol w="1476762">
+                  <a:extLst>
+                    <a:ext uri="{9D8B030D-6E8A-4147-A177-3AD203B41FA5}">
+                      <a16:colId xmlns:a16="http://schemas.microsoft.com/office/drawing/2014/main" val="20001"/>
+                    </a:ext>
+                  </a:extLst>
+                </a:gridCol>
+                <a:gridCol w="5133476">
+                  <a:extLst>
+                    <a:ext uri="{9D8B030D-6E8A-4147-A177-3AD203B41FA5}">
+                      <a16:colId xmlns:a16="http://schemas.microsoft.com/office/drawing/2014/main" val="20002"/>
+                    </a:ext>
+                  </a:extLst>
+                </a:gridCol>
               </a:tblGrid>
               <a:tr h="285740">
                 <a:tc>
@@ -3232,6 +3250,11 @@
                   </a:txBody>
                   <a:tcPr/>
                 </a:tc>
+                <a:extLst>
+                  <a:ext uri="{0D108BD9-81ED-4DB2-BD59-A6C34878D82A}">
+                    <a16:rowId xmlns:a16="http://schemas.microsoft.com/office/drawing/2014/main" val="10000"/>
+                  </a:ext>
+                </a:extLst>
               </a:tr>
               <a:tr h="285740">
                 <a:tc>
@@ -3299,6 +3322,11 @@
                   </a:txBody>
                   <a:tcPr/>
                 </a:tc>
+                <a:extLst>
+                  <a:ext uri="{0D108BD9-81ED-4DB2-BD59-A6C34878D82A}">
+                    <a16:rowId xmlns:a16="http://schemas.microsoft.com/office/drawing/2014/main" val="10001"/>
+                  </a:ext>
+                </a:extLst>
               </a:tr>
             </a:tbl>
           </a:graphicData>
@@ -3461,8 +3489,20 @@
                 <a:tableStyleId>{073A0DAA-6AF3-43AB-8588-CEC1D06C72B9}</a:tableStyleId>
               </a:tblPr>
               <a:tblGrid>
-                <a:gridCol w="428628"/>
-                <a:gridCol w="2928958"/>
+                <a:gridCol w="428628">
+                  <a:extLst>
+                    <a:ext uri="{9D8B030D-6E8A-4147-A177-3AD203B41FA5}">
+                      <a16:colId xmlns:a16="http://schemas.microsoft.com/office/drawing/2014/main" val="20000"/>
+                    </a:ext>
+                  </a:extLst>
+                </a:gridCol>
+                <a:gridCol w="2928958">
+                  <a:extLst>
+                    <a:ext uri="{9D8B030D-6E8A-4147-A177-3AD203B41FA5}">
+                      <a16:colId xmlns:a16="http://schemas.microsoft.com/office/drawing/2014/main" val="20001"/>
+                    </a:ext>
+                  </a:extLst>
+                </a:gridCol>
               </a:tblGrid>
               <a:tr h="246050">
                 <a:tc>
@@ -3495,6 +3535,11 @@
                   </a:txBody>
                   <a:tcPr/>
                 </a:tc>
+                <a:extLst>
+                  <a:ext uri="{0D108BD9-81ED-4DB2-BD59-A6C34878D82A}">
+                    <a16:rowId xmlns:a16="http://schemas.microsoft.com/office/drawing/2014/main" val="10000"/>
+                  </a:ext>
+                </a:extLst>
               </a:tr>
               <a:tr h="370840">
                 <a:tc>
@@ -3531,6 +3576,11 @@
                   </a:txBody>
                   <a:tcPr/>
                 </a:tc>
+                <a:extLst>
+                  <a:ext uri="{0D108BD9-81ED-4DB2-BD59-A6C34878D82A}">
+                    <a16:rowId xmlns:a16="http://schemas.microsoft.com/office/drawing/2014/main" val="10001"/>
+                  </a:ext>
+                </a:extLst>
               </a:tr>
               <a:tr h="370840">
                 <a:tc>
@@ -3563,6 +3613,11 @@
                   </a:txBody>
                   <a:tcPr/>
                 </a:tc>
+                <a:extLst>
+                  <a:ext uri="{0D108BD9-81ED-4DB2-BD59-A6C34878D82A}">
+                    <a16:rowId xmlns:a16="http://schemas.microsoft.com/office/drawing/2014/main" val="10002"/>
+                  </a:ext>
+                </a:extLst>
               </a:tr>
               <a:tr h="370840">
                 <a:tc>
@@ -3587,6 +3642,11 @@
                   </a:txBody>
                   <a:tcPr/>
                 </a:tc>
+                <a:extLst>
+                  <a:ext uri="{0D108BD9-81ED-4DB2-BD59-A6C34878D82A}">
+                    <a16:rowId xmlns:a16="http://schemas.microsoft.com/office/drawing/2014/main" val="10003"/>
+                  </a:ext>
+                </a:extLst>
               </a:tr>
               <a:tr h="370840">
                 <a:tc>
@@ -3611,6 +3671,11 @@
                   </a:txBody>
                   <a:tcPr/>
                 </a:tc>
+                <a:extLst>
+                  <a:ext uri="{0D108BD9-81ED-4DB2-BD59-A6C34878D82A}">
+                    <a16:rowId xmlns:a16="http://schemas.microsoft.com/office/drawing/2014/main" val="10004"/>
+                  </a:ext>
+                </a:extLst>
               </a:tr>
               <a:tr h="370840">
                 <a:tc>
@@ -3635,6 +3700,11 @@
                   </a:txBody>
                   <a:tcPr/>
                 </a:tc>
+                <a:extLst>
+                  <a:ext uri="{0D108BD9-81ED-4DB2-BD59-A6C34878D82A}">
+                    <a16:rowId xmlns:a16="http://schemas.microsoft.com/office/drawing/2014/main" val="10005"/>
+                  </a:ext>
+                </a:extLst>
               </a:tr>
               <a:tr h="370840">
                 <a:tc>
@@ -3659,6 +3729,11 @@
                   </a:txBody>
                   <a:tcPr/>
                 </a:tc>
+                <a:extLst>
+                  <a:ext uri="{0D108BD9-81ED-4DB2-BD59-A6C34878D82A}">
+                    <a16:rowId xmlns:a16="http://schemas.microsoft.com/office/drawing/2014/main" val="10006"/>
+                  </a:ext>
+                </a:extLst>
               </a:tr>
               <a:tr h="370840">
                 <a:tc>
@@ -3683,6 +3758,11 @@
                   </a:txBody>
                   <a:tcPr/>
                 </a:tc>
+                <a:extLst>
+                  <a:ext uri="{0D108BD9-81ED-4DB2-BD59-A6C34878D82A}">
+                    <a16:rowId xmlns:a16="http://schemas.microsoft.com/office/drawing/2014/main" val="10007"/>
+                  </a:ext>
+                </a:extLst>
               </a:tr>
             </a:tbl>
           </a:graphicData>
@@ -4736,9 +4816,27 @@
                 <a:tableStyleId>{5C22544A-7EE6-4342-B048-85BDC9FD1C3A}</a:tableStyleId>
               </a:tblPr>
               <a:tblGrid>
-                <a:gridCol w="2390917"/>
-                <a:gridCol w="1476762"/>
-                <a:gridCol w="5133476"/>
+                <a:gridCol w="2390917">
+                  <a:extLst>
+                    <a:ext uri="{9D8B030D-6E8A-4147-A177-3AD203B41FA5}">
+                      <a16:colId xmlns:a16="http://schemas.microsoft.com/office/drawing/2014/main" val="20000"/>
+                    </a:ext>
+                  </a:extLst>
+                </a:gridCol>
+                <a:gridCol w="1476762">
+                  <a:extLst>
+                    <a:ext uri="{9D8B030D-6E8A-4147-A177-3AD203B41FA5}">
+                      <a16:colId xmlns:a16="http://schemas.microsoft.com/office/drawing/2014/main" val="20001"/>
+                    </a:ext>
+                  </a:extLst>
+                </a:gridCol>
+                <a:gridCol w="5133476">
+                  <a:extLst>
+                    <a:ext uri="{9D8B030D-6E8A-4147-A177-3AD203B41FA5}">
+                      <a16:colId xmlns:a16="http://schemas.microsoft.com/office/drawing/2014/main" val="20002"/>
+                    </a:ext>
+                  </a:extLst>
+                </a:gridCol>
               </a:tblGrid>
               <a:tr h="285740">
                 <a:tc>
@@ -4786,6 +4884,11 @@
                   </a:txBody>
                   <a:tcPr/>
                 </a:tc>
+                <a:extLst>
+                  <a:ext uri="{0D108BD9-81ED-4DB2-BD59-A6C34878D82A}">
+                    <a16:rowId xmlns:a16="http://schemas.microsoft.com/office/drawing/2014/main" val="10000"/>
+                  </a:ext>
+                </a:extLst>
               </a:tr>
               <a:tr h="285740">
                 <a:tc>
@@ -4853,6 +4956,11 @@
                   </a:txBody>
                   <a:tcPr/>
                 </a:tc>
+                <a:extLst>
+                  <a:ext uri="{0D108BD9-81ED-4DB2-BD59-A6C34878D82A}">
+                    <a16:rowId xmlns:a16="http://schemas.microsoft.com/office/drawing/2014/main" val="10001"/>
+                  </a:ext>
+                </a:extLst>
               </a:tr>
             </a:tbl>
           </a:graphicData>
@@ -4961,8 +5069,20 @@
                 <a:tableStyleId>{073A0DAA-6AF3-43AB-8588-CEC1D06C72B9}</a:tableStyleId>
               </a:tblPr>
               <a:tblGrid>
-                <a:gridCol w="428628"/>
-                <a:gridCol w="2928958"/>
+                <a:gridCol w="428628">
+                  <a:extLst>
+                    <a:ext uri="{9D8B030D-6E8A-4147-A177-3AD203B41FA5}">
+                      <a16:colId xmlns:a16="http://schemas.microsoft.com/office/drawing/2014/main" val="20000"/>
+                    </a:ext>
+                  </a:extLst>
+                </a:gridCol>
+                <a:gridCol w="2928958">
+                  <a:extLst>
+                    <a:ext uri="{9D8B030D-6E8A-4147-A177-3AD203B41FA5}">
+                      <a16:colId xmlns:a16="http://schemas.microsoft.com/office/drawing/2014/main" val="20001"/>
+                    </a:ext>
+                  </a:extLst>
+                </a:gridCol>
               </a:tblGrid>
               <a:tr h="246050">
                 <a:tc>
@@ -4995,6 +5115,11 @@
                   </a:txBody>
                   <a:tcPr/>
                 </a:tc>
+                <a:extLst>
+                  <a:ext uri="{0D108BD9-81ED-4DB2-BD59-A6C34878D82A}">
+                    <a16:rowId xmlns:a16="http://schemas.microsoft.com/office/drawing/2014/main" val="10000"/>
+                  </a:ext>
+                </a:extLst>
               </a:tr>
               <a:tr h="370840">
                 <a:tc>
@@ -5019,6 +5144,11 @@
                   </a:txBody>
                   <a:tcPr/>
                 </a:tc>
+                <a:extLst>
+                  <a:ext uri="{0D108BD9-81ED-4DB2-BD59-A6C34878D82A}">
+                    <a16:rowId xmlns:a16="http://schemas.microsoft.com/office/drawing/2014/main" val="10001"/>
+                  </a:ext>
+                </a:extLst>
               </a:tr>
               <a:tr h="370840">
                 <a:tc>
@@ -5043,6 +5173,11 @@
                   </a:txBody>
                   <a:tcPr/>
                 </a:tc>
+                <a:extLst>
+                  <a:ext uri="{0D108BD9-81ED-4DB2-BD59-A6C34878D82A}">
+                    <a16:rowId xmlns:a16="http://schemas.microsoft.com/office/drawing/2014/main" val="10002"/>
+                  </a:ext>
+                </a:extLst>
               </a:tr>
               <a:tr h="370840">
                 <a:tc>
@@ -5067,6 +5202,11 @@
                   </a:txBody>
                   <a:tcPr/>
                 </a:tc>
+                <a:extLst>
+                  <a:ext uri="{0D108BD9-81ED-4DB2-BD59-A6C34878D82A}">
+                    <a16:rowId xmlns:a16="http://schemas.microsoft.com/office/drawing/2014/main" val="10003"/>
+                  </a:ext>
+                </a:extLst>
               </a:tr>
               <a:tr h="370840">
                 <a:tc>
@@ -5091,6 +5231,11 @@
                   </a:txBody>
                   <a:tcPr/>
                 </a:tc>
+                <a:extLst>
+                  <a:ext uri="{0D108BD9-81ED-4DB2-BD59-A6C34878D82A}">
+                    <a16:rowId xmlns:a16="http://schemas.microsoft.com/office/drawing/2014/main" val="10004"/>
+                  </a:ext>
+                </a:extLst>
               </a:tr>
               <a:tr h="370840">
                 <a:tc>
@@ -5115,6 +5260,11 @@
                   </a:txBody>
                   <a:tcPr/>
                 </a:tc>
+                <a:extLst>
+                  <a:ext uri="{0D108BD9-81ED-4DB2-BD59-A6C34878D82A}">
+                    <a16:rowId xmlns:a16="http://schemas.microsoft.com/office/drawing/2014/main" val="10005"/>
+                  </a:ext>
+                </a:extLst>
               </a:tr>
               <a:tr h="370840">
                 <a:tc>
@@ -5139,6 +5289,11 @@
                   </a:txBody>
                   <a:tcPr/>
                 </a:tc>
+                <a:extLst>
+                  <a:ext uri="{0D108BD9-81ED-4DB2-BD59-A6C34878D82A}">
+                    <a16:rowId xmlns:a16="http://schemas.microsoft.com/office/drawing/2014/main" val="10006"/>
+                  </a:ext>
+                </a:extLst>
               </a:tr>
               <a:tr h="370840">
                 <a:tc>
@@ -5163,6 +5318,11 @@
                   </a:txBody>
                   <a:tcPr/>
                 </a:tc>
+                <a:extLst>
+                  <a:ext uri="{0D108BD9-81ED-4DB2-BD59-A6C34878D82A}">
+                    <a16:rowId xmlns:a16="http://schemas.microsoft.com/office/drawing/2014/main" val="10007"/>
+                  </a:ext>
+                </a:extLst>
               </a:tr>
             </a:tbl>
           </a:graphicData>
@@ -7062,9 +7222,27 @@
                 <a:tableStyleId>{5C22544A-7EE6-4342-B048-85BDC9FD1C3A}</a:tableStyleId>
               </a:tblPr>
               <a:tblGrid>
-                <a:gridCol w="2390917"/>
-                <a:gridCol w="1476762"/>
-                <a:gridCol w="5133476"/>
+                <a:gridCol w="2390917">
+                  <a:extLst>
+                    <a:ext uri="{9D8B030D-6E8A-4147-A177-3AD203B41FA5}">
+                      <a16:colId xmlns:a16="http://schemas.microsoft.com/office/drawing/2014/main" val="20000"/>
+                    </a:ext>
+                  </a:extLst>
+                </a:gridCol>
+                <a:gridCol w="1476762">
+                  <a:extLst>
+                    <a:ext uri="{9D8B030D-6E8A-4147-A177-3AD203B41FA5}">
+                      <a16:colId xmlns:a16="http://schemas.microsoft.com/office/drawing/2014/main" val="20001"/>
+                    </a:ext>
+                  </a:extLst>
+                </a:gridCol>
+                <a:gridCol w="5133476">
+                  <a:extLst>
+                    <a:ext uri="{9D8B030D-6E8A-4147-A177-3AD203B41FA5}">
+                      <a16:colId xmlns:a16="http://schemas.microsoft.com/office/drawing/2014/main" val="20002"/>
+                    </a:ext>
+                  </a:extLst>
+                </a:gridCol>
               </a:tblGrid>
               <a:tr h="285740">
                 <a:tc>
@@ -7112,6 +7290,11 @@
                   </a:txBody>
                   <a:tcPr/>
                 </a:tc>
+                <a:extLst>
+                  <a:ext uri="{0D108BD9-81ED-4DB2-BD59-A6C34878D82A}">
+                    <a16:rowId xmlns:a16="http://schemas.microsoft.com/office/drawing/2014/main" val="10000"/>
+                  </a:ext>
+                </a:extLst>
               </a:tr>
               <a:tr h="285740">
                 <a:tc>
@@ -7179,6 +7362,11 @@
                   </a:txBody>
                   <a:tcPr/>
                 </a:tc>
+                <a:extLst>
+                  <a:ext uri="{0D108BD9-81ED-4DB2-BD59-A6C34878D82A}">
+                    <a16:rowId xmlns:a16="http://schemas.microsoft.com/office/drawing/2014/main" val="10001"/>
+                  </a:ext>
+                </a:extLst>
               </a:tr>
             </a:tbl>
           </a:graphicData>
@@ -7287,8 +7475,20 @@
                 <a:tableStyleId>{073A0DAA-6AF3-43AB-8588-CEC1D06C72B9}</a:tableStyleId>
               </a:tblPr>
               <a:tblGrid>
-                <a:gridCol w="428628"/>
-                <a:gridCol w="2928958"/>
+                <a:gridCol w="428628">
+                  <a:extLst>
+                    <a:ext uri="{9D8B030D-6E8A-4147-A177-3AD203B41FA5}">
+                      <a16:colId xmlns:a16="http://schemas.microsoft.com/office/drawing/2014/main" val="20000"/>
+                    </a:ext>
+                  </a:extLst>
+                </a:gridCol>
+                <a:gridCol w="2928958">
+                  <a:extLst>
+                    <a:ext uri="{9D8B030D-6E8A-4147-A177-3AD203B41FA5}">
+                      <a16:colId xmlns:a16="http://schemas.microsoft.com/office/drawing/2014/main" val="20001"/>
+                    </a:ext>
+                  </a:extLst>
+                </a:gridCol>
               </a:tblGrid>
               <a:tr h="246050">
                 <a:tc>
@@ -7321,6 +7521,11 @@
                   </a:txBody>
                   <a:tcPr/>
                 </a:tc>
+                <a:extLst>
+                  <a:ext uri="{0D108BD9-81ED-4DB2-BD59-A6C34878D82A}">
+                    <a16:rowId xmlns:a16="http://schemas.microsoft.com/office/drawing/2014/main" val="10000"/>
+                  </a:ext>
+                </a:extLst>
               </a:tr>
               <a:tr h="370840">
                 <a:tc>
@@ -7345,6 +7550,11 @@
                   </a:txBody>
                   <a:tcPr/>
                 </a:tc>
+                <a:extLst>
+                  <a:ext uri="{0D108BD9-81ED-4DB2-BD59-A6C34878D82A}">
+                    <a16:rowId xmlns:a16="http://schemas.microsoft.com/office/drawing/2014/main" val="10001"/>
+                  </a:ext>
+                </a:extLst>
               </a:tr>
               <a:tr h="370840">
                 <a:tc>
@@ -7369,6 +7579,11 @@
                   </a:txBody>
                   <a:tcPr/>
                 </a:tc>
+                <a:extLst>
+                  <a:ext uri="{0D108BD9-81ED-4DB2-BD59-A6C34878D82A}">
+                    <a16:rowId xmlns:a16="http://schemas.microsoft.com/office/drawing/2014/main" val="10002"/>
+                  </a:ext>
+                </a:extLst>
               </a:tr>
               <a:tr h="370840">
                 <a:tc>
@@ -7393,6 +7608,11 @@
                   </a:txBody>
                   <a:tcPr/>
                 </a:tc>
+                <a:extLst>
+                  <a:ext uri="{0D108BD9-81ED-4DB2-BD59-A6C34878D82A}">
+                    <a16:rowId xmlns:a16="http://schemas.microsoft.com/office/drawing/2014/main" val="10003"/>
+                  </a:ext>
+                </a:extLst>
               </a:tr>
               <a:tr h="370840">
                 <a:tc>
@@ -7417,6 +7637,11 @@
                   </a:txBody>
                   <a:tcPr/>
                 </a:tc>
+                <a:extLst>
+                  <a:ext uri="{0D108BD9-81ED-4DB2-BD59-A6C34878D82A}">
+                    <a16:rowId xmlns:a16="http://schemas.microsoft.com/office/drawing/2014/main" val="10004"/>
+                  </a:ext>
+                </a:extLst>
               </a:tr>
               <a:tr h="370840">
                 <a:tc>
@@ -7441,6 +7666,11 @@
                   </a:txBody>
                   <a:tcPr/>
                 </a:tc>
+                <a:extLst>
+                  <a:ext uri="{0D108BD9-81ED-4DB2-BD59-A6C34878D82A}">
+                    <a16:rowId xmlns:a16="http://schemas.microsoft.com/office/drawing/2014/main" val="10005"/>
+                  </a:ext>
+                </a:extLst>
               </a:tr>
               <a:tr h="370840">
                 <a:tc>
@@ -7465,6 +7695,11 @@
                   </a:txBody>
                   <a:tcPr/>
                 </a:tc>
+                <a:extLst>
+                  <a:ext uri="{0D108BD9-81ED-4DB2-BD59-A6C34878D82A}">
+                    <a16:rowId xmlns:a16="http://schemas.microsoft.com/office/drawing/2014/main" val="10006"/>
+                  </a:ext>
+                </a:extLst>
               </a:tr>
               <a:tr h="370840">
                 <a:tc>
@@ -7489,6 +7724,11 @@
                   </a:txBody>
                   <a:tcPr/>
                 </a:tc>
+                <a:extLst>
+                  <a:ext uri="{0D108BD9-81ED-4DB2-BD59-A6C34878D82A}">
+                    <a16:rowId xmlns:a16="http://schemas.microsoft.com/office/drawing/2014/main" val="10007"/>
+                  </a:ext>
+                </a:extLst>
               </a:tr>
             </a:tbl>
           </a:graphicData>
@@ -10146,7 +10386,7 @@
           <p:nvPr>
             <p:extLst>
               <p:ext uri="{D42A27DB-BD31-4B8C-83A1-F6EECF244321}">
-                <p14:modId xmlns:p14="http://schemas.microsoft.com/office/powerpoint/2010/main" val="3972546306"/>
+                <p14:modId xmlns:p14="http://schemas.microsoft.com/office/powerpoint/2010/main" val="1067230408"/>
               </p:ext>
             </p:extLst>
           </p:nvPr>
@@ -10162,9 +10402,27 @@
                 <a:tableStyleId>{5C22544A-7EE6-4342-B048-85BDC9FD1C3A}</a:tableStyleId>
               </a:tblPr>
               <a:tblGrid>
-                <a:gridCol w="2390917"/>
-                <a:gridCol w="1476762"/>
-                <a:gridCol w="5133476"/>
+                <a:gridCol w="2390917">
+                  <a:extLst>
+                    <a:ext uri="{9D8B030D-6E8A-4147-A177-3AD203B41FA5}">
+                      <a16:colId xmlns:a16="http://schemas.microsoft.com/office/drawing/2014/main" val="20000"/>
+                    </a:ext>
+                  </a:extLst>
+                </a:gridCol>
+                <a:gridCol w="1476762">
+                  <a:extLst>
+                    <a:ext uri="{9D8B030D-6E8A-4147-A177-3AD203B41FA5}">
+                      <a16:colId xmlns:a16="http://schemas.microsoft.com/office/drawing/2014/main" val="20001"/>
+                    </a:ext>
+                  </a:extLst>
+                </a:gridCol>
+                <a:gridCol w="5133476">
+                  <a:extLst>
+                    <a:ext uri="{9D8B030D-6E8A-4147-A177-3AD203B41FA5}">
+                      <a16:colId xmlns:a16="http://schemas.microsoft.com/office/drawing/2014/main" val="20002"/>
+                    </a:ext>
+                  </a:extLst>
+                </a:gridCol>
               </a:tblGrid>
               <a:tr h="285740">
                 <a:tc>
@@ -10212,6 +10470,11 @@
                   </a:txBody>
                   <a:tcPr/>
                 </a:tc>
+                <a:extLst>
+                  <a:ext uri="{0D108BD9-81ED-4DB2-BD59-A6C34878D82A}">
+                    <a16:rowId xmlns:a16="http://schemas.microsoft.com/office/drawing/2014/main" val="10000"/>
+                  </a:ext>
+                </a:extLst>
               </a:tr>
               <a:tr h="285740">
                 <a:tc>
@@ -10279,6 +10542,11 @@
                   </a:txBody>
                   <a:tcPr/>
                 </a:tc>
+                <a:extLst>
+                  <a:ext uri="{0D108BD9-81ED-4DB2-BD59-A6C34878D82A}">
+                    <a16:rowId xmlns:a16="http://schemas.microsoft.com/office/drawing/2014/main" val="10001"/>
+                  </a:ext>
+                </a:extLst>
               </a:tr>
             </a:tbl>
           </a:graphicData>
@@ -10387,8 +10655,20 @@
                 <a:tableStyleId>{073A0DAA-6AF3-43AB-8588-CEC1D06C72B9}</a:tableStyleId>
               </a:tblPr>
               <a:tblGrid>
-                <a:gridCol w="428628"/>
-                <a:gridCol w="2928958"/>
+                <a:gridCol w="428628">
+                  <a:extLst>
+                    <a:ext uri="{9D8B030D-6E8A-4147-A177-3AD203B41FA5}">
+                      <a16:colId xmlns:a16="http://schemas.microsoft.com/office/drawing/2014/main" val="20000"/>
+                    </a:ext>
+                  </a:extLst>
+                </a:gridCol>
+                <a:gridCol w="2928958">
+                  <a:extLst>
+                    <a:ext uri="{9D8B030D-6E8A-4147-A177-3AD203B41FA5}">
+                      <a16:colId xmlns:a16="http://schemas.microsoft.com/office/drawing/2014/main" val="20001"/>
+                    </a:ext>
+                  </a:extLst>
+                </a:gridCol>
               </a:tblGrid>
               <a:tr h="246050">
                 <a:tc>
@@ -10421,6 +10701,11 @@
                   </a:txBody>
                   <a:tcPr/>
                 </a:tc>
+                <a:extLst>
+                  <a:ext uri="{0D108BD9-81ED-4DB2-BD59-A6C34878D82A}">
+                    <a16:rowId xmlns:a16="http://schemas.microsoft.com/office/drawing/2014/main" val="10000"/>
+                  </a:ext>
+                </a:extLst>
               </a:tr>
               <a:tr h="370840">
                 <a:tc>
@@ -10445,6 +10730,11 @@
                   </a:txBody>
                   <a:tcPr/>
                 </a:tc>
+                <a:extLst>
+                  <a:ext uri="{0D108BD9-81ED-4DB2-BD59-A6C34878D82A}">
+                    <a16:rowId xmlns:a16="http://schemas.microsoft.com/office/drawing/2014/main" val="10001"/>
+                  </a:ext>
+                </a:extLst>
               </a:tr>
               <a:tr h="370840">
                 <a:tc>
@@ -10469,6 +10759,11 @@
                   </a:txBody>
                   <a:tcPr/>
                 </a:tc>
+                <a:extLst>
+                  <a:ext uri="{0D108BD9-81ED-4DB2-BD59-A6C34878D82A}">
+                    <a16:rowId xmlns:a16="http://schemas.microsoft.com/office/drawing/2014/main" val="10002"/>
+                  </a:ext>
+                </a:extLst>
               </a:tr>
               <a:tr h="370840">
                 <a:tc>
@@ -10493,6 +10788,11 @@
                   </a:txBody>
                   <a:tcPr/>
                 </a:tc>
+                <a:extLst>
+                  <a:ext uri="{0D108BD9-81ED-4DB2-BD59-A6C34878D82A}">
+                    <a16:rowId xmlns:a16="http://schemas.microsoft.com/office/drawing/2014/main" val="10003"/>
+                  </a:ext>
+                </a:extLst>
               </a:tr>
               <a:tr h="370840">
                 <a:tc>
@@ -10517,6 +10817,11 @@
                   </a:txBody>
                   <a:tcPr/>
                 </a:tc>
+                <a:extLst>
+                  <a:ext uri="{0D108BD9-81ED-4DB2-BD59-A6C34878D82A}">
+                    <a16:rowId xmlns:a16="http://schemas.microsoft.com/office/drawing/2014/main" val="10004"/>
+                  </a:ext>
+                </a:extLst>
               </a:tr>
               <a:tr h="370840">
                 <a:tc>
@@ -10541,6 +10846,11 @@
                   </a:txBody>
                   <a:tcPr/>
                 </a:tc>
+                <a:extLst>
+                  <a:ext uri="{0D108BD9-81ED-4DB2-BD59-A6C34878D82A}">
+                    <a16:rowId xmlns:a16="http://schemas.microsoft.com/office/drawing/2014/main" val="10005"/>
+                  </a:ext>
+                </a:extLst>
               </a:tr>
               <a:tr h="370840">
                 <a:tc>
@@ -10565,6 +10875,11 @@
                   </a:txBody>
                   <a:tcPr/>
                 </a:tc>
+                <a:extLst>
+                  <a:ext uri="{0D108BD9-81ED-4DB2-BD59-A6C34878D82A}">
+                    <a16:rowId xmlns:a16="http://schemas.microsoft.com/office/drawing/2014/main" val="10006"/>
+                  </a:ext>
+                </a:extLst>
               </a:tr>
               <a:tr h="370840">
                 <a:tc>
@@ -10589,6 +10904,11 @@
                   </a:txBody>
                   <a:tcPr/>
                 </a:tc>
+                <a:extLst>
+                  <a:ext uri="{0D108BD9-81ED-4DB2-BD59-A6C34878D82A}">
+                    <a16:rowId xmlns:a16="http://schemas.microsoft.com/office/drawing/2014/main" val="10007"/>
+                  </a:ext>
+                </a:extLst>
               </a:tr>
             </a:tbl>
           </a:graphicData>
@@ -13655,9 +13975,27 @@
                 <a:tableStyleId>{5C22544A-7EE6-4342-B048-85BDC9FD1C3A}</a:tableStyleId>
               </a:tblPr>
               <a:tblGrid>
-                <a:gridCol w="2390917"/>
-                <a:gridCol w="1476762"/>
-                <a:gridCol w="5133476"/>
+                <a:gridCol w="2390917">
+                  <a:extLst>
+                    <a:ext uri="{9D8B030D-6E8A-4147-A177-3AD203B41FA5}">
+                      <a16:colId xmlns:a16="http://schemas.microsoft.com/office/drawing/2014/main" val="20000"/>
+                    </a:ext>
+                  </a:extLst>
+                </a:gridCol>
+                <a:gridCol w="1476762">
+                  <a:extLst>
+                    <a:ext uri="{9D8B030D-6E8A-4147-A177-3AD203B41FA5}">
+                      <a16:colId xmlns:a16="http://schemas.microsoft.com/office/drawing/2014/main" val="20001"/>
+                    </a:ext>
+                  </a:extLst>
+                </a:gridCol>
+                <a:gridCol w="5133476">
+                  <a:extLst>
+                    <a:ext uri="{9D8B030D-6E8A-4147-A177-3AD203B41FA5}">
+                      <a16:colId xmlns:a16="http://schemas.microsoft.com/office/drawing/2014/main" val="20002"/>
+                    </a:ext>
+                  </a:extLst>
+                </a:gridCol>
               </a:tblGrid>
               <a:tr h="285740">
                 <a:tc>
@@ -13705,6 +14043,11 @@
                   </a:txBody>
                   <a:tcPr/>
                 </a:tc>
+                <a:extLst>
+                  <a:ext uri="{0D108BD9-81ED-4DB2-BD59-A6C34878D82A}">
+                    <a16:rowId xmlns:a16="http://schemas.microsoft.com/office/drawing/2014/main" val="10000"/>
+                  </a:ext>
+                </a:extLst>
               </a:tr>
               <a:tr h="285740">
                 <a:tc>
@@ -13768,6 +14111,11 @@
                   </a:txBody>
                   <a:tcPr/>
                 </a:tc>
+                <a:extLst>
+                  <a:ext uri="{0D108BD9-81ED-4DB2-BD59-A6C34878D82A}">
+                    <a16:rowId xmlns:a16="http://schemas.microsoft.com/office/drawing/2014/main" val="10001"/>
+                  </a:ext>
+                </a:extLst>
               </a:tr>
             </a:tbl>
           </a:graphicData>
@@ -14078,8 +14426,20 @@
                 <a:tableStyleId>{073A0DAA-6AF3-43AB-8588-CEC1D06C72B9}</a:tableStyleId>
               </a:tblPr>
               <a:tblGrid>
-                <a:gridCol w="428628"/>
-                <a:gridCol w="2928958"/>
+                <a:gridCol w="428628">
+                  <a:extLst>
+                    <a:ext uri="{9D8B030D-6E8A-4147-A177-3AD203B41FA5}">
+                      <a16:colId xmlns:a16="http://schemas.microsoft.com/office/drawing/2014/main" val="20000"/>
+                    </a:ext>
+                  </a:extLst>
+                </a:gridCol>
+                <a:gridCol w="2928958">
+                  <a:extLst>
+                    <a:ext uri="{9D8B030D-6E8A-4147-A177-3AD203B41FA5}">
+                      <a16:colId xmlns:a16="http://schemas.microsoft.com/office/drawing/2014/main" val="20001"/>
+                    </a:ext>
+                  </a:extLst>
+                </a:gridCol>
               </a:tblGrid>
               <a:tr h="246050">
                 <a:tc>
@@ -14112,6 +14472,11 @@
                   </a:txBody>
                   <a:tcPr/>
                 </a:tc>
+                <a:extLst>
+                  <a:ext uri="{0D108BD9-81ED-4DB2-BD59-A6C34878D82A}">
+                    <a16:rowId xmlns:a16="http://schemas.microsoft.com/office/drawing/2014/main" val="10000"/>
+                  </a:ext>
+                </a:extLst>
               </a:tr>
               <a:tr h="370840">
                 <a:tc>
@@ -14148,6 +14513,11 @@
                   </a:txBody>
                   <a:tcPr/>
                 </a:tc>
+                <a:extLst>
+                  <a:ext uri="{0D108BD9-81ED-4DB2-BD59-A6C34878D82A}">
+                    <a16:rowId xmlns:a16="http://schemas.microsoft.com/office/drawing/2014/main" val="10001"/>
+                  </a:ext>
+                </a:extLst>
               </a:tr>
               <a:tr h="370840">
                 <a:tc>
@@ -14184,6 +14554,11 @@
                   </a:txBody>
                   <a:tcPr/>
                 </a:tc>
+                <a:extLst>
+                  <a:ext uri="{0D108BD9-81ED-4DB2-BD59-A6C34878D82A}">
+                    <a16:rowId xmlns:a16="http://schemas.microsoft.com/office/drawing/2014/main" val="10002"/>
+                  </a:ext>
+                </a:extLst>
               </a:tr>
               <a:tr h="370840">
                 <a:tc>
@@ -14208,6 +14583,11 @@
                   </a:txBody>
                   <a:tcPr/>
                 </a:tc>
+                <a:extLst>
+                  <a:ext uri="{0D108BD9-81ED-4DB2-BD59-A6C34878D82A}">
+                    <a16:rowId xmlns:a16="http://schemas.microsoft.com/office/drawing/2014/main" val="10003"/>
+                  </a:ext>
+                </a:extLst>
               </a:tr>
               <a:tr h="370840">
                 <a:tc>
@@ -14232,6 +14612,11 @@
                   </a:txBody>
                   <a:tcPr/>
                 </a:tc>
+                <a:extLst>
+                  <a:ext uri="{0D108BD9-81ED-4DB2-BD59-A6C34878D82A}">
+                    <a16:rowId xmlns:a16="http://schemas.microsoft.com/office/drawing/2014/main" val="10004"/>
+                  </a:ext>
+                </a:extLst>
               </a:tr>
               <a:tr h="370840">
                 <a:tc>
@@ -14256,6 +14641,11 @@
                   </a:txBody>
                   <a:tcPr/>
                 </a:tc>
+                <a:extLst>
+                  <a:ext uri="{0D108BD9-81ED-4DB2-BD59-A6C34878D82A}">
+                    <a16:rowId xmlns:a16="http://schemas.microsoft.com/office/drawing/2014/main" val="10005"/>
+                  </a:ext>
+                </a:extLst>
               </a:tr>
               <a:tr h="370840">
                 <a:tc>
@@ -14280,6 +14670,11 @@
                   </a:txBody>
                   <a:tcPr/>
                 </a:tc>
+                <a:extLst>
+                  <a:ext uri="{0D108BD9-81ED-4DB2-BD59-A6C34878D82A}">
+                    <a16:rowId xmlns:a16="http://schemas.microsoft.com/office/drawing/2014/main" val="10006"/>
+                  </a:ext>
+                </a:extLst>
               </a:tr>
               <a:tr h="370840">
                 <a:tc>
@@ -14304,6 +14699,11 @@
                   </a:txBody>
                   <a:tcPr/>
                 </a:tc>
+                <a:extLst>
+                  <a:ext uri="{0D108BD9-81ED-4DB2-BD59-A6C34878D82A}">
+                    <a16:rowId xmlns:a16="http://schemas.microsoft.com/office/drawing/2014/main" val="10007"/>
+                  </a:ext>
+                </a:extLst>
               </a:tr>
             </a:tbl>
           </a:graphicData>
@@ -14412,9 +14812,27 @@
                 <a:tableStyleId>{5C22544A-7EE6-4342-B048-85BDC9FD1C3A}</a:tableStyleId>
               </a:tblPr>
               <a:tblGrid>
-                <a:gridCol w="2390917"/>
-                <a:gridCol w="1476762"/>
-                <a:gridCol w="5133476"/>
+                <a:gridCol w="2390917">
+                  <a:extLst>
+                    <a:ext uri="{9D8B030D-6E8A-4147-A177-3AD203B41FA5}">
+                      <a16:colId xmlns:a16="http://schemas.microsoft.com/office/drawing/2014/main" val="20000"/>
+                    </a:ext>
+                  </a:extLst>
+                </a:gridCol>
+                <a:gridCol w="1476762">
+                  <a:extLst>
+                    <a:ext uri="{9D8B030D-6E8A-4147-A177-3AD203B41FA5}">
+                      <a16:colId xmlns:a16="http://schemas.microsoft.com/office/drawing/2014/main" val="20001"/>
+                    </a:ext>
+                  </a:extLst>
+                </a:gridCol>
+                <a:gridCol w="5133476">
+                  <a:extLst>
+                    <a:ext uri="{9D8B030D-6E8A-4147-A177-3AD203B41FA5}">
+                      <a16:colId xmlns:a16="http://schemas.microsoft.com/office/drawing/2014/main" val="20002"/>
+                    </a:ext>
+                  </a:extLst>
+                </a:gridCol>
               </a:tblGrid>
               <a:tr h="285740">
                 <a:tc>
@@ -14462,6 +14880,11 @@
                   </a:txBody>
                   <a:tcPr/>
                 </a:tc>
+                <a:extLst>
+                  <a:ext uri="{0D108BD9-81ED-4DB2-BD59-A6C34878D82A}">
+                    <a16:rowId xmlns:a16="http://schemas.microsoft.com/office/drawing/2014/main" val="10000"/>
+                  </a:ext>
+                </a:extLst>
               </a:tr>
               <a:tr h="285740">
                 <a:tc>
@@ -14521,6 +14944,11 @@
                   </a:txBody>
                   <a:tcPr/>
                 </a:tc>
+                <a:extLst>
+                  <a:ext uri="{0D108BD9-81ED-4DB2-BD59-A6C34878D82A}">
+                    <a16:rowId xmlns:a16="http://schemas.microsoft.com/office/drawing/2014/main" val="10001"/>
+                  </a:ext>
+                </a:extLst>
               </a:tr>
             </a:tbl>
           </a:graphicData>
@@ -14587,8 +15015,20 @@
                 <a:tableStyleId>{073A0DAA-6AF3-43AB-8588-CEC1D06C72B9}</a:tableStyleId>
               </a:tblPr>
               <a:tblGrid>
-                <a:gridCol w="428628"/>
-                <a:gridCol w="1857388"/>
+                <a:gridCol w="428628">
+                  <a:extLst>
+                    <a:ext uri="{9D8B030D-6E8A-4147-A177-3AD203B41FA5}">
+                      <a16:colId xmlns:a16="http://schemas.microsoft.com/office/drawing/2014/main" val="20000"/>
+                    </a:ext>
+                  </a:extLst>
+                </a:gridCol>
+                <a:gridCol w="1857388">
+                  <a:extLst>
+                    <a:ext uri="{9D8B030D-6E8A-4147-A177-3AD203B41FA5}">
+                      <a16:colId xmlns:a16="http://schemas.microsoft.com/office/drawing/2014/main" val="20001"/>
+                    </a:ext>
+                  </a:extLst>
+                </a:gridCol>
               </a:tblGrid>
               <a:tr h="246050">
                 <a:tc>
@@ -14621,6 +15061,11 @@
                   </a:txBody>
                   <a:tcPr/>
                 </a:tc>
+                <a:extLst>
+                  <a:ext uri="{0D108BD9-81ED-4DB2-BD59-A6C34878D82A}">
+                    <a16:rowId xmlns:a16="http://schemas.microsoft.com/office/drawing/2014/main" val="10000"/>
+                  </a:ext>
+                </a:extLst>
               </a:tr>
               <a:tr h="370840">
                 <a:tc>
@@ -14689,6 +15134,11 @@
                   </a:txBody>
                   <a:tcPr/>
                 </a:tc>
+                <a:extLst>
+                  <a:ext uri="{0D108BD9-81ED-4DB2-BD59-A6C34878D82A}">
+                    <a16:rowId xmlns:a16="http://schemas.microsoft.com/office/drawing/2014/main" val="10001"/>
+                  </a:ext>
+                </a:extLst>
               </a:tr>
               <a:tr h="370840">
                 <a:tc>
@@ -14761,6 +15211,11 @@
                   </a:txBody>
                   <a:tcPr/>
                 </a:tc>
+                <a:extLst>
+                  <a:ext uri="{0D108BD9-81ED-4DB2-BD59-A6C34878D82A}">
+                    <a16:rowId xmlns:a16="http://schemas.microsoft.com/office/drawing/2014/main" val="10002"/>
+                  </a:ext>
+                </a:extLst>
               </a:tr>
               <a:tr h="370840">
                 <a:tc>
@@ -14841,6 +15296,11 @@
                   </a:txBody>
                   <a:tcPr/>
                 </a:tc>
+                <a:extLst>
+                  <a:ext uri="{0D108BD9-81ED-4DB2-BD59-A6C34878D82A}">
+                    <a16:rowId xmlns:a16="http://schemas.microsoft.com/office/drawing/2014/main" val="10003"/>
+                  </a:ext>
+                </a:extLst>
               </a:tr>
               <a:tr h="370840">
                 <a:tc>
@@ -14909,6 +15369,11 @@
                   </a:txBody>
                   <a:tcPr/>
                 </a:tc>
+                <a:extLst>
+                  <a:ext uri="{0D108BD9-81ED-4DB2-BD59-A6C34878D82A}">
+                    <a16:rowId xmlns:a16="http://schemas.microsoft.com/office/drawing/2014/main" val="10004"/>
+                  </a:ext>
+                </a:extLst>
               </a:tr>
               <a:tr h="370840">
                 <a:tc>
@@ -14977,6 +15442,11 @@
                   </a:txBody>
                   <a:tcPr/>
                 </a:tc>
+                <a:extLst>
+                  <a:ext uri="{0D108BD9-81ED-4DB2-BD59-A6C34878D82A}">
+                    <a16:rowId xmlns:a16="http://schemas.microsoft.com/office/drawing/2014/main" val="10005"/>
+                  </a:ext>
+                </a:extLst>
               </a:tr>
               <a:tr h="370840">
                 <a:tc>
@@ -15052,6 +15522,11 @@
                   </a:txBody>
                   <a:tcPr/>
                 </a:tc>
+                <a:extLst>
+                  <a:ext uri="{0D108BD9-81ED-4DB2-BD59-A6C34878D82A}">
+                    <a16:rowId xmlns:a16="http://schemas.microsoft.com/office/drawing/2014/main" val="10006"/>
+                  </a:ext>
+                </a:extLst>
               </a:tr>
               <a:tr h="185420">
                 <a:tc>
@@ -15088,6 +15563,11 @@
                   </a:txBody>
                   <a:tcPr/>
                 </a:tc>
+                <a:extLst>
+                  <a:ext uri="{0D108BD9-81ED-4DB2-BD59-A6C34878D82A}">
+                    <a16:rowId xmlns:a16="http://schemas.microsoft.com/office/drawing/2014/main" val="10007"/>
+                  </a:ext>
+                </a:extLst>
               </a:tr>
               <a:tr h="185420">
                 <a:tc>
@@ -15230,6 +15710,11 @@
                   </a:txBody>
                   <a:tcPr/>
                 </a:tc>
+                <a:extLst>
+                  <a:ext uri="{0D108BD9-81ED-4DB2-BD59-A6C34878D82A}">
+                    <a16:rowId xmlns:a16="http://schemas.microsoft.com/office/drawing/2014/main" val="10008"/>
+                  </a:ext>
+                </a:extLst>
               </a:tr>
             </a:tbl>
           </a:graphicData>
@@ -17735,9 +18220,27 @@
                 <a:tableStyleId>{5C22544A-7EE6-4342-B048-85BDC9FD1C3A}</a:tableStyleId>
               </a:tblPr>
               <a:tblGrid>
-                <a:gridCol w="2390917"/>
-                <a:gridCol w="1476762"/>
-                <a:gridCol w="5133476"/>
+                <a:gridCol w="2390917">
+                  <a:extLst>
+                    <a:ext uri="{9D8B030D-6E8A-4147-A177-3AD203B41FA5}">
+                      <a16:colId xmlns:a16="http://schemas.microsoft.com/office/drawing/2014/main" val="20000"/>
+                    </a:ext>
+                  </a:extLst>
+                </a:gridCol>
+                <a:gridCol w="1476762">
+                  <a:extLst>
+                    <a:ext uri="{9D8B030D-6E8A-4147-A177-3AD203B41FA5}">
+                      <a16:colId xmlns:a16="http://schemas.microsoft.com/office/drawing/2014/main" val="20001"/>
+                    </a:ext>
+                  </a:extLst>
+                </a:gridCol>
+                <a:gridCol w="5133476">
+                  <a:extLst>
+                    <a:ext uri="{9D8B030D-6E8A-4147-A177-3AD203B41FA5}">
+                      <a16:colId xmlns:a16="http://schemas.microsoft.com/office/drawing/2014/main" val="20002"/>
+                    </a:ext>
+                  </a:extLst>
+                </a:gridCol>
               </a:tblGrid>
               <a:tr h="285740">
                 <a:tc>
@@ -17785,6 +18288,11 @@
                   </a:txBody>
                   <a:tcPr/>
                 </a:tc>
+                <a:extLst>
+                  <a:ext uri="{0D108BD9-81ED-4DB2-BD59-A6C34878D82A}">
+                    <a16:rowId xmlns:a16="http://schemas.microsoft.com/office/drawing/2014/main" val="10000"/>
+                  </a:ext>
+                </a:extLst>
               </a:tr>
               <a:tr h="285740">
                 <a:tc>
@@ -17844,6 +18352,11 @@
                   </a:txBody>
                   <a:tcPr/>
                 </a:tc>
+                <a:extLst>
+                  <a:ext uri="{0D108BD9-81ED-4DB2-BD59-A6C34878D82A}">
+                    <a16:rowId xmlns:a16="http://schemas.microsoft.com/office/drawing/2014/main" val="10001"/>
+                  </a:ext>
+                </a:extLst>
               </a:tr>
             </a:tbl>
           </a:graphicData>
@@ -19932,8 +20445,20 @@
                 <a:tableStyleId>{073A0DAA-6AF3-43AB-8588-CEC1D06C72B9}</a:tableStyleId>
               </a:tblPr>
               <a:tblGrid>
-                <a:gridCol w="428628"/>
-                <a:gridCol w="2928958"/>
+                <a:gridCol w="428628">
+                  <a:extLst>
+                    <a:ext uri="{9D8B030D-6E8A-4147-A177-3AD203B41FA5}">
+                      <a16:colId xmlns:a16="http://schemas.microsoft.com/office/drawing/2014/main" val="20000"/>
+                    </a:ext>
+                  </a:extLst>
+                </a:gridCol>
+                <a:gridCol w="2928958">
+                  <a:extLst>
+                    <a:ext uri="{9D8B030D-6E8A-4147-A177-3AD203B41FA5}">
+                      <a16:colId xmlns:a16="http://schemas.microsoft.com/office/drawing/2014/main" val="20001"/>
+                    </a:ext>
+                  </a:extLst>
+                </a:gridCol>
               </a:tblGrid>
               <a:tr h="246050">
                 <a:tc>
@@ -19966,6 +20491,11 @@
                   </a:txBody>
                   <a:tcPr/>
                 </a:tc>
+                <a:extLst>
+                  <a:ext uri="{0D108BD9-81ED-4DB2-BD59-A6C34878D82A}">
+                    <a16:rowId xmlns:a16="http://schemas.microsoft.com/office/drawing/2014/main" val="10000"/>
+                  </a:ext>
+                </a:extLst>
               </a:tr>
               <a:tr h="370840">
                 <a:tc>
@@ -20002,6 +20532,11 @@
                   </a:txBody>
                   <a:tcPr/>
                 </a:tc>
+                <a:extLst>
+                  <a:ext uri="{0D108BD9-81ED-4DB2-BD59-A6C34878D82A}">
+                    <a16:rowId xmlns:a16="http://schemas.microsoft.com/office/drawing/2014/main" val="10001"/>
+                  </a:ext>
+                </a:extLst>
               </a:tr>
               <a:tr h="370840">
                 <a:tc>
@@ -20034,6 +20569,11 @@
                   </a:txBody>
                   <a:tcPr/>
                 </a:tc>
+                <a:extLst>
+                  <a:ext uri="{0D108BD9-81ED-4DB2-BD59-A6C34878D82A}">
+                    <a16:rowId xmlns:a16="http://schemas.microsoft.com/office/drawing/2014/main" val="10002"/>
+                  </a:ext>
+                </a:extLst>
               </a:tr>
               <a:tr h="370840">
                 <a:tc>
@@ -20082,6 +20622,11 @@
                   </a:txBody>
                   <a:tcPr/>
                 </a:tc>
+                <a:extLst>
+                  <a:ext uri="{0D108BD9-81ED-4DB2-BD59-A6C34878D82A}">
+                    <a16:rowId xmlns:a16="http://schemas.microsoft.com/office/drawing/2014/main" val="10003"/>
+                  </a:ext>
+                </a:extLst>
               </a:tr>
               <a:tr h="370840">
                 <a:tc>
@@ -20106,6 +20651,11 @@
                   </a:txBody>
                   <a:tcPr/>
                 </a:tc>
+                <a:extLst>
+                  <a:ext uri="{0D108BD9-81ED-4DB2-BD59-A6C34878D82A}">
+                    <a16:rowId xmlns:a16="http://schemas.microsoft.com/office/drawing/2014/main" val="10004"/>
+                  </a:ext>
+                </a:extLst>
               </a:tr>
               <a:tr h="370840">
                 <a:tc>
@@ -20130,6 +20680,11 @@
                   </a:txBody>
                   <a:tcPr/>
                 </a:tc>
+                <a:extLst>
+                  <a:ext uri="{0D108BD9-81ED-4DB2-BD59-A6C34878D82A}">
+                    <a16:rowId xmlns:a16="http://schemas.microsoft.com/office/drawing/2014/main" val="10005"/>
+                  </a:ext>
+                </a:extLst>
               </a:tr>
               <a:tr h="370840">
                 <a:tc>
@@ -20154,6 +20709,11 @@
                   </a:txBody>
                   <a:tcPr/>
                 </a:tc>
+                <a:extLst>
+                  <a:ext uri="{0D108BD9-81ED-4DB2-BD59-A6C34878D82A}">
+                    <a16:rowId xmlns:a16="http://schemas.microsoft.com/office/drawing/2014/main" val="10006"/>
+                  </a:ext>
+                </a:extLst>
               </a:tr>
               <a:tr h="370840">
                 <a:tc>
@@ -20178,6 +20738,11 @@
                   </a:txBody>
                   <a:tcPr/>
                 </a:tc>
+                <a:extLst>
+                  <a:ext uri="{0D108BD9-81ED-4DB2-BD59-A6C34878D82A}">
+                    <a16:rowId xmlns:a16="http://schemas.microsoft.com/office/drawing/2014/main" val="10007"/>
+                  </a:ext>
+                </a:extLst>
               </a:tr>
             </a:tbl>
           </a:graphicData>
@@ -20423,9 +20988,27 @@
                 <a:tableStyleId>{5C22544A-7EE6-4342-B048-85BDC9FD1C3A}</a:tableStyleId>
               </a:tblPr>
               <a:tblGrid>
-                <a:gridCol w="2390917"/>
-                <a:gridCol w="1476762"/>
-                <a:gridCol w="5133476"/>
+                <a:gridCol w="2390917">
+                  <a:extLst>
+                    <a:ext uri="{9D8B030D-6E8A-4147-A177-3AD203B41FA5}">
+                      <a16:colId xmlns:a16="http://schemas.microsoft.com/office/drawing/2014/main" val="20000"/>
+                    </a:ext>
+                  </a:extLst>
+                </a:gridCol>
+                <a:gridCol w="1476762">
+                  <a:extLst>
+                    <a:ext uri="{9D8B030D-6E8A-4147-A177-3AD203B41FA5}">
+                      <a16:colId xmlns:a16="http://schemas.microsoft.com/office/drawing/2014/main" val="20001"/>
+                    </a:ext>
+                  </a:extLst>
+                </a:gridCol>
+                <a:gridCol w="5133476">
+                  <a:extLst>
+                    <a:ext uri="{9D8B030D-6E8A-4147-A177-3AD203B41FA5}">
+                      <a16:colId xmlns:a16="http://schemas.microsoft.com/office/drawing/2014/main" val="20002"/>
+                    </a:ext>
+                  </a:extLst>
+                </a:gridCol>
               </a:tblGrid>
               <a:tr h="285740">
                 <a:tc>
@@ -20473,6 +21056,11 @@
                   </a:txBody>
                   <a:tcPr/>
                 </a:tc>
+                <a:extLst>
+                  <a:ext uri="{0D108BD9-81ED-4DB2-BD59-A6C34878D82A}">
+                    <a16:rowId xmlns:a16="http://schemas.microsoft.com/office/drawing/2014/main" val="10000"/>
+                  </a:ext>
+                </a:extLst>
               </a:tr>
               <a:tr h="285740">
                 <a:tc>
@@ -20524,6 +21112,11 @@
                   </a:txBody>
                   <a:tcPr/>
                 </a:tc>
+                <a:extLst>
+                  <a:ext uri="{0D108BD9-81ED-4DB2-BD59-A6C34878D82A}">
+                    <a16:rowId xmlns:a16="http://schemas.microsoft.com/office/drawing/2014/main" val="10001"/>
+                  </a:ext>
+                </a:extLst>
               </a:tr>
             </a:tbl>
           </a:graphicData>
@@ -20756,8 +21349,20 @@
                 <a:tableStyleId>{073A0DAA-6AF3-43AB-8588-CEC1D06C72B9}</a:tableStyleId>
               </a:tblPr>
               <a:tblGrid>
-                <a:gridCol w="428628"/>
-                <a:gridCol w="2928958"/>
+                <a:gridCol w="428628">
+                  <a:extLst>
+                    <a:ext uri="{9D8B030D-6E8A-4147-A177-3AD203B41FA5}">
+                      <a16:colId xmlns:a16="http://schemas.microsoft.com/office/drawing/2014/main" val="20000"/>
+                    </a:ext>
+                  </a:extLst>
+                </a:gridCol>
+                <a:gridCol w="2928958">
+                  <a:extLst>
+                    <a:ext uri="{9D8B030D-6E8A-4147-A177-3AD203B41FA5}">
+                      <a16:colId xmlns:a16="http://schemas.microsoft.com/office/drawing/2014/main" val="20001"/>
+                    </a:ext>
+                  </a:extLst>
+                </a:gridCol>
               </a:tblGrid>
               <a:tr h="246050">
                 <a:tc>
@@ -20790,6 +21395,11 @@
                   </a:txBody>
                   <a:tcPr/>
                 </a:tc>
+                <a:extLst>
+                  <a:ext uri="{0D108BD9-81ED-4DB2-BD59-A6C34878D82A}">
+                    <a16:rowId xmlns:a16="http://schemas.microsoft.com/office/drawing/2014/main" val="10000"/>
+                  </a:ext>
+                </a:extLst>
               </a:tr>
               <a:tr h="370840">
                 <a:tc>
@@ -20826,6 +21436,11 @@
                   </a:txBody>
                   <a:tcPr/>
                 </a:tc>
+                <a:extLst>
+                  <a:ext uri="{0D108BD9-81ED-4DB2-BD59-A6C34878D82A}">
+                    <a16:rowId xmlns:a16="http://schemas.microsoft.com/office/drawing/2014/main" val="10001"/>
+                  </a:ext>
+                </a:extLst>
               </a:tr>
               <a:tr h="370840">
                 <a:tc>
@@ -20866,6 +21481,11 @@
                   </a:txBody>
                   <a:tcPr/>
                 </a:tc>
+                <a:extLst>
+                  <a:ext uri="{0D108BD9-81ED-4DB2-BD59-A6C34878D82A}">
+                    <a16:rowId xmlns:a16="http://schemas.microsoft.com/office/drawing/2014/main" val="10002"/>
+                  </a:ext>
+                </a:extLst>
               </a:tr>
               <a:tr h="370840">
                 <a:tc>
@@ -20902,6 +21522,11 @@
                   </a:txBody>
                   <a:tcPr/>
                 </a:tc>
+                <a:extLst>
+                  <a:ext uri="{0D108BD9-81ED-4DB2-BD59-A6C34878D82A}">
+                    <a16:rowId xmlns:a16="http://schemas.microsoft.com/office/drawing/2014/main" val="10003"/>
+                  </a:ext>
+                </a:extLst>
               </a:tr>
               <a:tr h="370840">
                 <a:tc>
@@ -20938,6 +21563,11 @@
                   </a:txBody>
                   <a:tcPr/>
                 </a:tc>
+                <a:extLst>
+                  <a:ext uri="{0D108BD9-81ED-4DB2-BD59-A6C34878D82A}">
+                    <a16:rowId xmlns:a16="http://schemas.microsoft.com/office/drawing/2014/main" val="10004"/>
+                  </a:ext>
+                </a:extLst>
               </a:tr>
               <a:tr h="370840">
                 <a:tc>
@@ -20974,6 +21604,11 @@
                   </a:txBody>
                   <a:tcPr/>
                 </a:tc>
+                <a:extLst>
+                  <a:ext uri="{0D108BD9-81ED-4DB2-BD59-A6C34878D82A}">
+                    <a16:rowId xmlns:a16="http://schemas.microsoft.com/office/drawing/2014/main" val="10005"/>
+                  </a:ext>
+                </a:extLst>
               </a:tr>
               <a:tr h="370840">
                 <a:tc>
@@ -21010,6 +21645,11 @@
                   </a:txBody>
                   <a:tcPr/>
                 </a:tc>
+                <a:extLst>
+                  <a:ext uri="{0D108BD9-81ED-4DB2-BD59-A6C34878D82A}">
+                    <a16:rowId xmlns:a16="http://schemas.microsoft.com/office/drawing/2014/main" val="10006"/>
+                  </a:ext>
+                </a:extLst>
               </a:tr>
               <a:tr h="370840">
                 <a:tc>
@@ -21034,6 +21674,11 @@
                   </a:txBody>
                   <a:tcPr/>
                 </a:tc>
+                <a:extLst>
+                  <a:ext uri="{0D108BD9-81ED-4DB2-BD59-A6C34878D82A}">
+                    <a16:rowId xmlns:a16="http://schemas.microsoft.com/office/drawing/2014/main" val="10007"/>
+                  </a:ext>
+                </a:extLst>
               </a:tr>
             </a:tbl>
           </a:graphicData>
@@ -21669,9 +22314,27 @@
                 <a:tableStyleId>{5C22544A-7EE6-4342-B048-85BDC9FD1C3A}</a:tableStyleId>
               </a:tblPr>
               <a:tblGrid>
-                <a:gridCol w="2390917"/>
-                <a:gridCol w="1476762"/>
-                <a:gridCol w="5133476"/>
+                <a:gridCol w="2390917">
+                  <a:extLst>
+                    <a:ext uri="{9D8B030D-6E8A-4147-A177-3AD203B41FA5}">
+                      <a16:colId xmlns:a16="http://schemas.microsoft.com/office/drawing/2014/main" val="20000"/>
+                    </a:ext>
+                  </a:extLst>
+                </a:gridCol>
+                <a:gridCol w="1476762">
+                  <a:extLst>
+                    <a:ext uri="{9D8B030D-6E8A-4147-A177-3AD203B41FA5}">
+                      <a16:colId xmlns:a16="http://schemas.microsoft.com/office/drawing/2014/main" val="20001"/>
+                    </a:ext>
+                  </a:extLst>
+                </a:gridCol>
+                <a:gridCol w="5133476">
+                  <a:extLst>
+                    <a:ext uri="{9D8B030D-6E8A-4147-A177-3AD203B41FA5}">
+                      <a16:colId xmlns:a16="http://schemas.microsoft.com/office/drawing/2014/main" val="20002"/>
+                    </a:ext>
+                  </a:extLst>
+                </a:gridCol>
               </a:tblGrid>
               <a:tr h="285740">
                 <a:tc>
@@ -21719,6 +22382,11 @@
                   </a:txBody>
                   <a:tcPr/>
                 </a:tc>
+                <a:extLst>
+                  <a:ext uri="{0D108BD9-81ED-4DB2-BD59-A6C34878D82A}">
+                    <a16:rowId xmlns:a16="http://schemas.microsoft.com/office/drawing/2014/main" val="10000"/>
+                  </a:ext>
+                </a:extLst>
               </a:tr>
               <a:tr h="285740">
                 <a:tc>
@@ -21770,6 +22438,11 @@
                   </a:txBody>
                   <a:tcPr/>
                 </a:tc>
+                <a:extLst>
+                  <a:ext uri="{0D108BD9-81ED-4DB2-BD59-A6C34878D82A}">
+                    <a16:rowId xmlns:a16="http://schemas.microsoft.com/office/drawing/2014/main" val="10001"/>
+                  </a:ext>
+                </a:extLst>
               </a:tr>
             </a:tbl>
           </a:graphicData>
@@ -21932,8 +22605,20 @@
                 <a:tableStyleId>{073A0DAA-6AF3-43AB-8588-CEC1D06C72B9}</a:tableStyleId>
               </a:tblPr>
               <a:tblGrid>
-                <a:gridCol w="428628"/>
-                <a:gridCol w="2928958"/>
+                <a:gridCol w="428628">
+                  <a:extLst>
+                    <a:ext uri="{9D8B030D-6E8A-4147-A177-3AD203B41FA5}">
+                      <a16:colId xmlns:a16="http://schemas.microsoft.com/office/drawing/2014/main" val="20000"/>
+                    </a:ext>
+                  </a:extLst>
+                </a:gridCol>
+                <a:gridCol w="2928958">
+                  <a:extLst>
+                    <a:ext uri="{9D8B030D-6E8A-4147-A177-3AD203B41FA5}">
+                      <a16:colId xmlns:a16="http://schemas.microsoft.com/office/drawing/2014/main" val="20001"/>
+                    </a:ext>
+                  </a:extLst>
+                </a:gridCol>
               </a:tblGrid>
               <a:tr h="246050">
                 <a:tc>
@@ -21966,6 +22651,11 @@
                   </a:txBody>
                   <a:tcPr/>
                 </a:tc>
+                <a:extLst>
+                  <a:ext uri="{0D108BD9-81ED-4DB2-BD59-A6C34878D82A}">
+                    <a16:rowId xmlns:a16="http://schemas.microsoft.com/office/drawing/2014/main" val="10000"/>
+                  </a:ext>
+                </a:extLst>
               </a:tr>
               <a:tr h="370840">
                 <a:tc>
@@ -22010,6 +22700,11 @@
                   </a:txBody>
                   <a:tcPr/>
                 </a:tc>
+                <a:extLst>
+                  <a:ext uri="{0D108BD9-81ED-4DB2-BD59-A6C34878D82A}">
+                    <a16:rowId xmlns:a16="http://schemas.microsoft.com/office/drawing/2014/main" val="10001"/>
+                  </a:ext>
+                </a:extLst>
               </a:tr>
               <a:tr h="370840">
                 <a:tc>
@@ -22054,6 +22749,11 @@
                   </a:txBody>
                   <a:tcPr/>
                 </a:tc>
+                <a:extLst>
+                  <a:ext uri="{0D108BD9-81ED-4DB2-BD59-A6C34878D82A}">
+                    <a16:rowId xmlns:a16="http://schemas.microsoft.com/office/drawing/2014/main" val="10002"/>
+                  </a:ext>
+                </a:extLst>
               </a:tr>
               <a:tr h="370840">
                 <a:tc>
@@ -22098,6 +22798,11 @@
                   </a:txBody>
                   <a:tcPr/>
                 </a:tc>
+                <a:extLst>
+                  <a:ext uri="{0D108BD9-81ED-4DB2-BD59-A6C34878D82A}">
+                    <a16:rowId xmlns:a16="http://schemas.microsoft.com/office/drawing/2014/main" val="10003"/>
+                  </a:ext>
+                </a:extLst>
               </a:tr>
               <a:tr h="370840">
                 <a:tc>
@@ -22172,6 +22877,11 @@
                   </a:txBody>
                   <a:tcPr/>
                 </a:tc>
+                <a:extLst>
+                  <a:ext uri="{0D108BD9-81ED-4DB2-BD59-A6C34878D82A}">
+                    <a16:rowId xmlns:a16="http://schemas.microsoft.com/office/drawing/2014/main" val="10004"/>
+                  </a:ext>
+                </a:extLst>
               </a:tr>
               <a:tr h="370840">
                 <a:tc>
@@ -22208,6 +22918,11 @@
                   </a:txBody>
                   <a:tcPr/>
                 </a:tc>
+                <a:extLst>
+                  <a:ext uri="{0D108BD9-81ED-4DB2-BD59-A6C34878D82A}">
+                    <a16:rowId xmlns:a16="http://schemas.microsoft.com/office/drawing/2014/main" val="10005"/>
+                  </a:ext>
+                </a:extLst>
               </a:tr>
               <a:tr h="370840">
                 <a:tc>
@@ -22232,6 +22947,11 @@
                   </a:txBody>
                   <a:tcPr/>
                 </a:tc>
+                <a:extLst>
+                  <a:ext uri="{0D108BD9-81ED-4DB2-BD59-A6C34878D82A}">
+                    <a16:rowId xmlns:a16="http://schemas.microsoft.com/office/drawing/2014/main" val="10006"/>
+                  </a:ext>
+                </a:extLst>
               </a:tr>
               <a:tr h="370840">
                 <a:tc>
@@ -22256,6 +22976,11 @@
                   </a:txBody>
                   <a:tcPr/>
                 </a:tc>
+                <a:extLst>
+                  <a:ext uri="{0D108BD9-81ED-4DB2-BD59-A6C34878D82A}">
+                    <a16:rowId xmlns:a16="http://schemas.microsoft.com/office/drawing/2014/main" val="10007"/>
+                  </a:ext>
+                </a:extLst>
               </a:tr>
             </a:tbl>
           </a:graphicData>
@@ -23128,9 +23853,27 @@
                 <a:tableStyleId>{5C22544A-7EE6-4342-B048-85BDC9FD1C3A}</a:tableStyleId>
               </a:tblPr>
               <a:tblGrid>
-                <a:gridCol w="2390917"/>
-                <a:gridCol w="1476762"/>
-                <a:gridCol w="5133476"/>
+                <a:gridCol w="2390917">
+                  <a:extLst>
+                    <a:ext uri="{9D8B030D-6E8A-4147-A177-3AD203B41FA5}">
+                      <a16:colId xmlns:a16="http://schemas.microsoft.com/office/drawing/2014/main" val="20000"/>
+                    </a:ext>
+                  </a:extLst>
+                </a:gridCol>
+                <a:gridCol w="1476762">
+                  <a:extLst>
+                    <a:ext uri="{9D8B030D-6E8A-4147-A177-3AD203B41FA5}">
+                      <a16:colId xmlns:a16="http://schemas.microsoft.com/office/drawing/2014/main" val="20001"/>
+                    </a:ext>
+                  </a:extLst>
+                </a:gridCol>
+                <a:gridCol w="5133476">
+                  <a:extLst>
+                    <a:ext uri="{9D8B030D-6E8A-4147-A177-3AD203B41FA5}">
+                      <a16:colId xmlns:a16="http://schemas.microsoft.com/office/drawing/2014/main" val="20002"/>
+                    </a:ext>
+                  </a:extLst>
+                </a:gridCol>
               </a:tblGrid>
               <a:tr h="285740">
                 <a:tc>
@@ -23178,6 +23921,11 @@
                   </a:txBody>
                   <a:tcPr/>
                 </a:tc>
+                <a:extLst>
+                  <a:ext uri="{0D108BD9-81ED-4DB2-BD59-A6C34878D82A}">
+                    <a16:rowId xmlns:a16="http://schemas.microsoft.com/office/drawing/2014/main" val="10000"/>
+                  </a:ext>
+                </a:extLst>
               </a:tr>
               <a:tr h="285740">
                 <a:tc>
@@ -23241,6 +23989,11 @@
                   </a:txBody>
                   <a:tcPr/>
                 </a:tc>
+                <a:extLst>
+                  <a:ext uri="{0D108BD9-81ED-4DB2-BD59-A6C34878D82A}">
+                    <a16:rowId xmlns:a16="http://schemas.microsoft.com/office/drawing/2014/main" val="10001"/>
+                  </a:ext>
+                </a:extLst>
               </a:tr>
             </a:tbl>
           </a:graphicData>
@@ -23403,8 +24156,20 @@
                 <a:tableStyleId>{073A0DAA-6AF3-43AB-8588-CEC1D06C72B9}</a:tableStyleId>
               </a:tblPr>
               <a:tblGrid>
-                <a:gridCol w="428628"/>
-                <a:gridCol w="2928958"/>
+                <a:gridCol w="428628">
+                  <a:extLst>
+                    <a:ext uri="{9D8B030D-6E8A-4147-A177-3AD203B41FA5}">
+                      <a16:colId xmlns:a16="http://schemas.microsoft.com/office/drawing/2014/main" val="20000"/>
+                    </a:ext>
+                  </a:extLst>
+                </a:gridCol>
+                <a:gridCol w="2928958">
+                  <a:extLst>
+                    <a:ext uri="{9D8B030D-6E8A-4147-A177-3AD203B41FA5}">
+                      <a16:colId xmlns:a16="http://schemas.microsoft.com/office/drawing/2014/main" val="20001"/>
+                    </a:ext>
+                  </a:extLst>
+                </a:gridCol>
               </a:tblGrid>
               <a:tr h="246050">
                 <a:tc>
@@ -23437,6 +24202,11 @@
                   </a:txBody>
                   <a:tcPr/>
                 </a:tc>
+                <a:extLst>
+                  <a:ext uri="{0D108BD9-81ED-4DB2-BD59-A6C34878D82A}">
+                    <a16:rowId xmlns:a16="http://schemas.microsoft.com/office/drawing/2014/main" val="10000"/>
+                  </a:ext>
+                </a:extLst>
               </a:tr>
               <a:tr h="370840">
                 <a:tc>
@@ -23473,6 +24243,11 @@
                   </a:txBody>
                   <a:tcPr/>
                 </a:tc>
+                <a:extLst>
+                  <a:ext uri="{0D108BD9-81ED-4DB2-BD59-A6C34878D82A}">
+                    <a16:rowId xmlns:a16="http://schemas.microsoft.com/office/drawing/2014/main" val="10001"/>
+                  </a:ext>
+                </a:extLst>
               </a:tr>
               <a:tr h="370840">
                 <a:tc>
@@ -23517,6 +24292,11 @@
                   </a:txBody>
                   <a:tcPr/>
                 </a:tc>
+                <a:extLst>
+                  <a:ext uri="{0D108BD9-81ED-4DB2-BD59-A6C34878D82A}">
+                    <a16:rowId xmlns:a16="http://schemas.microsoft.com/office/drawing/2014/main" val="10002"/>
+                  </a:ext>
+                </a:extLst>
               </a:tr>
               <a:tr h="370840">
                 <a:tc>
@@ -23561,6 +24341,11 @@
                   </a:txBody>
                   <a:tcPr/>
                 </a:tc>
+                <a:extLst>
+                  <a:ext uri="{0D108BD9-81ED-4DB2-BD59-A6C34878D82A}">
+                    <a16:rowId xmlns:a16="http://schemas.microsoft.com/office/drawing/2014/main" val="10003"/>
+                  </a:ext>
+                </a:extLst>
               </a:tr>
               <a:tr h="370840">
                 <a:tc>
@@ -23643,6 +24428,11 @@
                   </a:txBody>
                   <a:tcPr/>
                 </a:tc>
+                <a:extLst>
+                  <a:ext uri="{0D108BD9-81ED-4DB2-BD59-A6C34878D82A}">
+                    <a16:rowId xmlns:a16="http://schemas.microsoft.com/office/drawing/2014/main" val="10004"/>
+                  </a:ext>
+                </a:extLst>
               </a:tr>
               <a:tr h="370840">
                 <a:tc>
@@ -23679,6 +24469,11 @@
                   </a:txBody>
                   <a:tcPr/>
                 </a:tc>
+                <a:extLst>
+                  <a:ext uri="{0D108BD9-81ED-4DB2-BD59-A6C34878D82A}">
+                    <a16:rowId xmlns:a16="http://schemas.microsoft.com/office/drawing/2014/main" val="10005"/>
+                  </a:ext>
+                </a:extLst>
               </a:tr>
               <a:tr h="370840">
                 <a:tc>
@@ -23703,6 +24498,11 @@
                   </a:txBody>
                   <a:tcPr/>
                 </a:tc>
+                <a:extLst>
+                  <a:ext uri="{0D108BD9-81ED-4DB2-BD59-A6C34878D82A}">
+                    <a16:rowId xmlns:a16="http://schemas.microsoft.com/office/drawing/2014/main" val="10006"/>
+                  </a:ext>
+                </a:extLst>
               </a:tr>
               <a:tr h="370840">
                 <a:tc>
@@ -23727,6 +24527,11 @@
                   </a:txBody>
                   <a:tcPr/>
                 </a:tc>
+                <a:extLst>
+                  <a:ext uri="{0D108BD9-81ED-4DB2-BD59-A6C34878D82A}">
+                    <a16:rowId xmlns:a16="http://schemas.microsoft.com/office/drawing/2014/main" val="10007"/>
+                  </a:ext>
+                </a:extLst>
               </a:tr>
             </a:tbl>
           </a:graphicData>
@@ -24583,9 +25388,27 @@
                 <a:tableStyleId>{5C22544A-7EE6-4342-B048-85BDC9FD1C3A}</a:tableStyleId>
               </a:tblPr>
               <a:tblGrid>
-                <a:gridCol w="2390917"/>
-                <a:gridCol w="1476762"/>
-                <a:gridCol w="5133476"/>
+                <a:gridCol w="2390917">
+                  <a:extLst>
+                    <a:ext uri="{9D8B030D-6E8A-4147-A177-3AD203B41FA5}">
+                      <a16:colId xmlns:a16="http://schemas.microsoft.com/office/drawing/2014/main" val="20000"/>
+                    </a:ext>
+                  </a:extLst>
+                </a:gridCol>
+                <a:gridCol w="1476762">
+                  <a:extLst>
+                    <a:ext uri="{9D8B030D-6E8A-4147-A177-3AD203B41FA5}">
+                      <a16:colId xmlns:a16="http://schemas.microsoft.com/office/drawing/2014/main" val="20001"/>
+                    </a:ext>
+                  </a:extLst>
+                </a:gridCol>
+                <a:gridCol w="5133476">
+                  <a:extLst>
+                    <a:ext uri="{9D8B030D-6E8A-4147-A177-3AD203B41FA5}">
+                      <a16:colId xmlns:a16="http://schemas.microsoft.com/office/drawing/2014/main" val="20002"/>
+                    </a:ext>
+                  </a:extLst>
+                </a:gridCol>
               </a:tblGrid>
               <a:tr h="285740">
                 <a:tc>
@@ -24633,6 +25456,11 @@
                   </a:txBody>
                   <a:tcPr/>
                 </a:tc>
+                <a:extLst>
+                  <a:ext uri="{0D108BD9-81ED-4DB2-BD59-A6C34878D82A}">
+                    <a16:rowId xmlns:a16="http://schemas.microsoft.com/office/drawing/2014/main" val="10000"/>
+                  </a:ext>
+                </a:extLst>
               </a:tr>
               <a:tr h="285740">
                 <a:tc>
@@ -24700,6 +25528,11 @@
                   </a:txBody>
                   <a:tcPr/>
                 </a:tc>
+                <a:extLst>
+                  <a:ext uri="{0D108BD9-81ED-4DB2-BD59-A6C34878D82A}">
+                    <a16:rowId xmlns:a16="http://schemas.microsoft.com/office/drawing/2014/main" val="10001"/>
+                  </a:ext>
+                </a:extLst>
               </a:tr>
             </a:tbl>
           </a:graphicData>
@@ -24862,8 +25695,20 @@
                 <a:tableStyleId>{073A0DAA-6AF3-43AB-8588-CEC1D06C72B9}</a:tableStyleId>
               </a:tblPr>
               <a:tblGrid>
-                <a:gridCol w="428628"/>
-                <a:gridCol w="2928958"/>
+                <a:gridCol w="428628">
+                  <a:extLst>
+                    <a:ext uri="{9D8B030D-6E8A-4147-A177-3AD203B41FA5}">
+                      <a16:colId xmlns:a16="http://schemas.microsoft.com/office/drawing/2014/main" val="20000"/>
+                    </a:ext>
+                  </a:extLst>
+                </a:gridCol>
+                <a:gridCol w="2928958">
+                  <a:extLst>
+                    <a:ext uri="{9D8B030D-6E8A-4147-A177-3AD203B41FA5}">
+                      <a16:colId xmlns:a16="http://schemas.microsoft.com/office/drawing/2014/main" val="20001"/>
+                    </a:ext>
+                  </a:extLst>
+                </a:gridCol>
               </a:tblGrid>
               <a:tr h="246050">
                 <a:tc>
@@ -24896,6 +25741,11 @@
                   </a:txBody>
                   <a:tcPr/>
                 </a:tc>
+                <a:extLst>
+                  <a:ext uri="{0D108BD9-81ED-4DB2-BD59-A6C34878D82A}">
+                    <a16:rowId xmlns:a16="http://schemas.microsoft.com/office/drawing/2014/main" val="10000"/>
+                  </a:ext>
+                </a:extLst>
               </a:tr>
               <a:tr h="370840">
                 <a:tc>
@@ -24952,6 +25802,11 @@
                   </a:txBody>
                   <a:tcPr/>
                 </a:tc>
+                <a:extLst>
+                  <a:ext uri="{0D108BD9-81ED-4DB2-BD59-A6C34878D82A}">
+                    <a16:rowId xmlns:a16="http://schemas.microsoft.com/office/drawing/2014/main" val="10001"/>
+                  </a:ext>
+                </a:extLst>
               </a:tr>
               <a:tr h="370840">
                 <a:tc>
@@ -24988,6 +25843,11 @@
                   </a:txBody>
                   <a:tcPr/>
                 </a:tc>
+                <a:extLst>
+                  <a:ext uri="{0D108BD9-81ED-4DB2-BD59-A6C34878D82A}">
+                    <a16:rowId xmlns:a16="http://schemas.microsoft.com/office/drawing/2014/main" val="10002"/>
+                  </a:ext>
+                </a:extLst>
               </a:tr>
               <a:tr h="370840">
                 <a:tc>
@@ -25028,6 +25888,11 @@
                   </a:txBody>
                   <a:tcPr/>
                 </a:tc>
+                <a:extLst>
+                  <a:ext uri="{0D108BD9-81ED-4DB2-BD59-A6C34878D82A}">
+                    <a16:rowId xmlns:a16="http://schemas.microsoft.com/office/drawing/2014/main" val="10003"/>
+                  </a:ext>
+                </a:extLst>
               </a:tr>
               <a:tr h="370840">
                 <a:tc>
@@ -25072,6 +25937,11 @@
                   </a:txBody>
                   <a:tcPr/>
                 </a:tc>
+                <a:extLst>
+                  <a:ext uri="{0D108BD9-81ED-4DB2-BD59-A6C34878D82A}">
+                    <a16:rowId xmlns:a16="http://schemas.microsoft.com/office/drawing/2014/main" val="10004"/>
+                  </a:ext>
+                </a:extLst>
               </a:tr>
               <a:tr h="370840">
                 <a:tc>
@@ -25112,6 +25982,11 @@
                   </a:txBody>
                   <a:tcPr/>
                 </a:tc>
+                <a:extLst>
+                  <a:ext uri="{0D108BD9-81ED-4DB2-BD59-A6C34878D82A}">
+                    <a16:rowId xmlns:a16="http://schemas.microsoft.com/office/drawing/2014/main" val="10005"/>
+                  </a:ext>
+                </a:extLst>
               </a:tr>
               <a:tr h="370840">
                 <a:tc>
@@ -25136,6 +26011,11 @@
                   </a:txBody>
                   <a:tcPr/>
                 </a:tc>
+                <a:extLst>
+                  <a:ext uri="{0D108BD9-81ED-4DB2-BD59-A6C34878D82A}">
+                    <a16:rowId xmlns:a16="http://schemas.microsoft.com/office/drawing/2014/main" val="10006"/>
+                  </a:ext>
+                </a:extLst>
               </a:tr>
               <a:tr h="370840">
                 <a:tc>
@@ -25160,6 +26040,11 @@
                   </a:txBody>
                   <a:tcPr/>
                 </a:tc>
+                <a:extLst>
+                  <a:ext uri="{0D108BD9-81ED-4DB2-BD59-A6C34878D82A}">
+                    <a16:rowId xmlns:a16="http://schemas.microsoft.com/office/drawing/2014/main" val="10007"/>
+                  </a:ext>
+                </a:extLst>
               </a:tr>
             </a:tbl>
           </a:graphicData>
